--- a/lecture/lecture1.pptx
+++ b/lecture/lecture1.pptx
@@ -5,18 +5,31 @@
     <p:sldMasterId id="2147483950" r:id="rId1"/>
   </p:sldMasterIdLst>
   <p:sldIdLst>
-    <p:sldId id="256" r:id="rId2"/>
-    <p:sldId id="257" r:id="rId3"/>
-    <p:sldId id="258" r:id="rId4"/>
-    <p:sldId id="260" r:id="rId5"/>
-    <p:sldId id="259" r:id="rId6"/>
-    <p:sldId id="262" r:id="rId7"/>
-    <p:sldId id="261" r:id="rId8"/>
-    <p:sldId id="263" r:id="rId9"/>
-    <p:sldId id="264" r:id="rId10"/>
-    <p:sldId id="265" r:id="rId11"/>
-    <p:sldId id="266" r:id="rId12"/>
-    <p:sldId id="267" r:id="rId13"/>
+    <p:sldId id="268" r:id="rId2"/>
+    <p:sldId id="269" r:id="rId3"/>
+    <p:sldId id="270" r:id="rId4"/>
+    <p:sldId id="271" r:id="rId5"/>
+    <p:sldId id="274" r:id="rId6"/>
+    <p:sldId id="272" r:id="rId7"/>
+    <p:sldId id="275" r:id="rId8"/>
+    <p:sldId id="276" r:id="rId9"/>
+    <p:sldId id="273" r:id="rId10"/>
+    <p:sldId id="277" r:id="rId11"/>
+    <p:sldId id="278" r:id="rId12"/>
+    <p:sldId id="256" r:id="rId13"/>
+    <p:sldId id="257" r:id="rId14"/>
+    <p:sldId id="258" r:id="rId15"/>
+    <p:sldId id="260" r:id="rId16"/>
+    <p:sldId id="259" r:id="rId17"/>
+    <p:sldId id="262" r:id="rId18"/>
+    <p:sldId id="261" r:id="rId19"/>
+    <p:sldId id="263" r:id="rId20"/>
+    <p:sldId id="264" r:id="rId21"/>
+    <p:sldId id="265" r:id="rId22"/>
+    <p:sldId id="266" r:id="rId23"/>
+    <p:sldId id="267" r:id="rId24"/>
+    <p:sldId id="280" r:id="rId25"/>
+    <p:sldId id="279" r:id="rId26"/>
   </p:sldIdLst>
   <p:sldSz cx="9144000" cy="6858000" type="screen4x3"/>
   <p:notesSz cx="7010400" cy="9296400"/>
@@ -115,6 +128,22 @@
       </a:defRPr>
     </a:lvl9pPr>
   </p:defaultTextStyle>
+  <p:extLst>
+    <p:ext uri="{EFAFB233-063F-42B5-8137-9DF3F51BA10A}">
+      <p15:sldGuideLst xmlns:p15="http://schemas.microsoft.com/office/powerpoint/2012/main" xmlns="">
+        <p15:guide id="1" orient="horz" pos="2160">
+          <p15:clr>
+            <a:srgbClr val="A4A3A4"/>
+          </p15:clr>
+        </p15:guide>
+        <p15:guide id="2" pos="2880">
+          <p15:clr>
+            <a:srgbClr val="A4A3A4"/>
+          </p15:clr>
+        </p15:guide>
+      </p15:sldGuideLst>
+    </p:ext>
+  </p:extLst>
 </p:presentation>
 </file>
 
@@ -313,7 +342,7 @@
             <a:fld id="{04AF466F-BDA4-4F18-9C7B-FF0A9A1B0E80}" type="datetime1">
               <a:rPr lang="en-US" smtClean="0"/>
               <a:pPr/>
-              <a:t>8/27/15</a:t>
+              <a:t>9/2/15</a:t>
             </a:fld>
             <a:endParaRPr lang="en-US"/>
           </a:p>
@@ -480,7 +509,7 @@
             <a:fld id="{58FB4290-6522-4139-852E-05BD9E7F0D2E}" type="datetime1">
               <a:rPr lang="en-US" smtClean="0"/>
               <a:pPr/>
-              <a:t>8/27/15</a:t>
+              <a:t>9/2/15</a:t>
             </a:fld>
             <a:endParaRPr lang="en-US"/>
           </a:p>
@@ -657,7 +686,7 @@
             <a:fld id="{AAB955F9-81EA-47C5-8059-9E5C2B437C70}" type="datetime1">
               <a:rPr lang="en-US" smtClean="0"/>
               <a:pPr/>
-              <a:t>8/27/15</a:t>
+              <a:t>9/2/15</a:t>
             </a:fld>
             <a:endParaRPr lang="en-US"/>
           </a:p>
@@ -824,7 +853,7 @@
             <a:fld id="{1CEF607B-A47E-422C-9BEF-122CCDB7C526}" type="datetime1">
               <a:rPr lang="en-US" smtClean="0"/>
               <a:pPr/>
-              <a:t>8/27/15</a:t>
+              <a:t>9/2/15</a:t>
             </a:fld>
             <a:endParaRPr lang="en-US"/>
           </a:p>
@@ -1067,7 +1096,7 @@
             <a:fld id="{63A9A7CB-BEE6-4F99-898E-913F06E8E125}" type="datetime1">
               <a:rPr lang="en-US" smtClean="0"/>
               <a:pPr/>
-              <a:t>8/27/15</a:t>
+              <a:t>9/2/15</a:t>
             </a:fld>
             <a:endParaRPr lang="en-US"/>
           </a:p>
@@ -1352,7 +1381,7 @@
             <a:fld id="{B6EE300C-6FC5-4FC3-AF1A-075E4F50620D}" type="datetime1">
               <a:rPr lang="en-US" smtClean="0"/>
               <a:pPr/>
-              <a:t>8/27/15</a:t>
+              <a:t>9/2/15</a:t>
             </a:fld>
             <a:endParaRPr lang="en-US"/>
           </a:p>
@@ -1783,7 +1812,7 @@
             <a:fld id="{F50D295D-4A77-4DEB-B04C-9F4282A8BC04}" type="datetime1">
               <a:rPr lang="en-US" smtClean="0"/>
               <a:pPr/>
-              <a:t>8/27/15</a:t>
+              <a:t>9/2/15</a:t>
             </a:fld>
             <a:endParaRPr lang="en-US"/>
           </a:p>
@@ -1898,7 +1927,7 @@
             <a:fld id="{02B28685-4D0C-42D5-8013-B5904CD1FCBC}" type="datetime1">
               <a:rPr lang="en-US" smtClean="0"/>
               <a:pPr/>
-              <a:t>8/27/15</a:t>
+              <a:t>9/2/15</a:t>
             </a:fld>
             <a:endParaRPr lang="en-US"/>
           </a:p>
@@ -1990,7 +2019,7 @@
             <a:fld id="{FDF226C0-9885-4BA9-BBFA-A52CBFEBB775}" type="datetime1">
               <a:rPr lang="en-US" smtClean="0"/>
               <a:pPr/>
-              <a:t>8/27/15</a:t>
+              <a:t>9/2/15</a:t>
             </a:fld>
             <a:endParaRPr lang="en-US"/>
           </a:p>
@@ -2181,7 +2210,7 @@
             <a:fld id="{EBEE1B38-C5EB-4D66-9137-0AFE9CDEDE8F}" type="datetime1">
               <a:rPr lang="en-US" smtClean="0"/>
               <a:pPr/>
-              <a:t>8/27/15</a:t>
+              <a:t>9/2/15</a:t>
             </a:fld>
             <a:endParaRPr lang="en-US"/>
           </a:p>
@@ -2501,7 +2530,7 @@
             <a:fld id="{327B613C-1AD7-49D3-885D-F654C5CDBAA6}" type="datetime1">
               <a:rPr lang="en-US" smtClean="0"/>
               <a:pPr/>
-              <a:t>8/27/15</a:t>
+              <a:t>9/2/15</a:t>
             </a:fld>
             <a:endParaRPr lang="en-US" dirty="0"/>
           </a:p>
@@ -2883,7 +2912,7 @@
             <a:fld id="{327B613C-1AD7-49D3-885D-F654C5CDBAA6}" type="datetime1">
               <a:rPr lang="en-US" smtClean="0"/>
               <a:pPr/>
-              <a:t>8/27/15</a:t>
+              <a:t>9/2/15</a:t>
             </a:fld>
             <a:endParaRPr lang="en-US" dirty="0"/>
           </a:p>
@@ -3209,7 +3238,7 @@
       </p:grpSpPr>
       <p:sp>
         <p:nvSpPr>
-          <p:cNvPr id="2" name="Title 1"/>
+          <p:cNvPr id="4" name="Title 3"/>
           <p:cNvSpPr>
             <a:spLocks noGrp="1"/>
           </p:cNvSpPr>
@@ -3224,15 +3253,15 @@
           <a:p>
             <a:r>
               <a:rPr lang="en-US" dirty="0" smtClean="0"/>
-              <a:t>Front End Lecture</a:t>
-            </a:r>
-            <a:endParaRPr lang="en-US" dirty="0"/>
-          </a:p>
-        </p:txBody>
-      </p:sp>
-      <p:sp>
-        <p:nvSpPr>
-          <p:cNvPr id="3" name="Subtitle 2"/>
+              <a:t>Welcome to Snap! Below the Line Decal</a:t>
+            </a:r>
+            <a:endParaRPr lang="fr-FR" dirty="0"/>
+          </a:p>
+        </p:txBody>
+      </p:sp>
+      <p:sp>
+        <p:nvSpPr>
+          <p:cNvPr id="5" name="Subtitle 4"/>
           <p:cNvSpPr>
             <a:spLocks noGrp="1"/>
           </p:cNvSpPr>
@@ -3247,24 +3276,16 @@
           <a:p>
             <a:r>
               <a:rPr lang="en-US" dirty="0" smtClean="0"/>
-              <a:t>Snap! Below the Line </a:t>
-            </a:r>
-            <a:r>
-              <a:rPr lang="en-US" dirty="0" err="1" smtClean="0"/>
-              <a:t>DeCal</a:t>
-            </a:r>
-            <a:r>
-              <a:rPr lang="en-US" dirty="0" smtClean="0"/>
-              <a:t> 2015 Fall</a:t>
-            </a:r>
-            <a:endParaRPr lang="en-US" dirty="0"/>
+              <a:t>Facilitated By: Zachary, Susanna, Tony, and Jae</a:t>
+            </a:r>
+            <a:endParaRPr lang="fr-FR" dirty="0"/>
           </a:p>
         </p:txBody>
       </p:sp>
     </p:spTree>
     <p:extLst>
       <p:ext uri="{BB962C8B-B14F-4D97-AF65-F5344CB8AC3E}">
-        <p14:creationId xmlns:p14="http://schemas.microsoft.com/office/powerpoint/2010/main" val="896692501"/>
+        <p14:creationId xmlns:p14="http://schemas.microsoft.com/office/powerpoint/2010/main" val="4049378507"/>
       </p:ext>
     </p:extLst>
   </p:cSld>
@@ -3307,93 +3328,70 @@
           <a:lstStyle/>
           <a:p>
             <a:r>
-              <a:rPr lang="en-US" dirty="0" smtClean="0"/>
-              <a:t>Week1 Assignment</a:t>
-            </a:r>
-            <a:endParaRPr lang="en-US" dirty="0"/>
-          </a:p>
-        </p:txBody>
-      </p:sp>
-      <p:pic>
-        <p:nvPicPr>
-          <p:cNvPr id="4" name="Content Placeholder 3"/>
-          <p:cNvPicPr>
-            <a:picLocks noGrp="1" noChangeAspect="1"/>
-          </p:cNvPicPr>
+              <a:rPr lang="en-US" dirty="0" err="1" smtClean="0"/>
+              <a:t>Github</a:t>
+            </a:r>
+            <a:r>
+              <a:rPr lang="en-US" dirty="0" smtClean="0"/>
+              <a:t> Continued</a:t>
+            </a:r>
+            <a:endParaRPr lang="fr-FR" dirty="0"/>
+          </a:p>
+        </p:txBody>
+      </p:sp>
+      <p:sp>
+        <p:nvSpPr>
+          <p:cNvPr id="3" name="Content Placeholder 2"/>
+          <p:cNvSpPr>
+            <a:spLocks noGrp="1"/>
+          </p:cNvSpPr>
           <p:nvPr>
             <p:ph idx="1"/>
           </p:nvPr>
-        </p:nvPicPr>
-        <p:blipFill>
-          <a:blip r:embed="rId2"/>
-          <a:srcRect t="-39813" b="-39813"/>
-          <a:stretch>
-            <a:fillRect/>
-          </a:stretch>
-        </p:blipFill>
-        <p:spPr>
-          <a:xfrm>
-            <a:off x="264762" y="274638"/>
-            <a:ext cx="8197302" cy="5164300"/>
-          </a:xfrm>
-        </p:spPr>
-      </p:pic>
-      <p:sp>
-        <p:nvSpPr>
-          <p:cNvPr id="5" name="TextBox 4"/>
-          <p:cNvSpPr txBox="1"/>
-          <p:nvPr/>
-        </p:nvSpPr>
-        <p:spPr>
-          <a:xfrm>
-            <a:off x="457200" y="4374239"/>
-            <a:ext cx="7620000" cy="2062103"/>
-          </a:xfrm>
-          <a:prstGeom prst="rect">
-            <a:avLst/>
-          </a:prstGeom>
-          <a:noFill/>
-        </p:spPr>
-        <p:txBody>
-          <a:bodyPr wrap="square" rtlCol="0">
-            <a:spAutoFit/>
-          </a:bodyPr>
-          <a:lstStyle/>
-          <a:p>
-            <a:r>
-              <a:rPr lang="en-US" sz="3200" dirty="0" smtClean="0"/>
-              <a:t>Introduce yourself in your own HTML file using various tags</a:t>
-            </a:r>
-          </a:p>
-          <a:p>
-            <a:endParaRPr lang="en-US" sz="3200" dirty="0"/>
-          </a:p>
-          <a:p>
-            <a:r>
-              <a:rPr lang="en-US" sz="3200" dirty="0" smtClean="0"/>
-              <a:t>Make it pretty!</a:t>
-            </a:r>
-            <a:endParaRPr lang="en-US" sz="3200" dirty="0"/>
+        </p:nvSpPr>
+        <p:spPr/>
+        <p:txBody>
+          <a:bodyPr/>
+          <a:lstStyle/>
+          <a:p>
+            <a:r>
+              <a:rPr lang="en-US" dirty="0" smtClean="0"/>
+              <a:t>Now that you have an account with </a:t>
+            </a:r>
+            <a:r>
+              <a:rPr lang="en-US" dirty="0" err="1" smtClean="0"/>
+              <a:t>github</a:t>
+            </a:r>
+            <a:r>
+              <a:rPr lang="en-US" dirty="0" smtClean="0"/>
+              <a:t> and have your personal computer setup lets make a new repository titled “website”</a:t>
+            </a:r>
+          </a:p>
+          <a:p>
+            <a:r>
+              <a:rPr lang="en-US" dirty="0" smtClean="0"/>
+              <a:t>Here is a guide on creating a new repository</a:t>
+            </a:r>
+          </a:p>
+          <a:p>
+            <a:pPr lvl="1"/>
+            <a:r>
+              <a:rPr lang="fr-FR" dirty="0"/>
+              <a:t>https://help.github.com/articles/create-a-repo/</a:t>
+            </a:r>
           </a:p>
         </p:txBody>
       </p:sp>
     </p:spTree>
     <p:extLst>
       <p:ext uri="{BB962C8B-B14F-4D97-AF65-F5344CB8AC3E}">
-        <p14:creationId xmlns:p14="http://schemas.microsoft.com/office/powerpoint/2010/main" val="872985899"/>
+        <p14:creationId xmlns:p14="http://schemas.microsoft.com/office/powerpoint/2010/main" val="746899977"/>
       </p:ext>
     </p:extLst>
   </p:cSld>
   <p:clrMapOvr>
     <a:masterClrMapping/>
   </p:clrMapOvr>
-  <p:timing>
-    <p:tnLst>
-      <p:par>
-        <p:cTn xmlns:p14="http://schemas.microsoft.com/office/powerpoint/2010/main" id="1" dur="indefinite" restart="never" nodeType="tmRoot"/>
-      </p:par>
-    </p:tnLst>
-  </p:timing>
 </p:sld>
 </file>
 
@@ -3431,9 +3429,9 @@
           <a:p>
             <a:r>
               <a:rPr lang="en-US" dirty="0" smtClean="0"/>
-              <a:t>Summary</a:t>
-            </a:r>
-            <a:endParaRPr lang="en-US" dirty="0"/>
+              <a:t>What is a repository?</a:t>
+            </a:r>
+            <a:endParaRPr lang="fr-FR" dirty="0"/>
           </a:p>
         </p:txBody>
       </p:sp>
@@ -3454,34 +3452,74 @@
           <a:p>
             <a:r>
               <a:rPr lang="en-US" dirty="0" smtClean="0"/>
-              <a:t>HTML defines the content of web pages</a:t>
-            </a:r>
-          </a:p>
-          <a:p>
-            <a:r>
-              <a:rPr lang="en-US" dirty="0" smtClean="0"/>
-              <a:t>CSS to specify the layout of web pages</a:t>
-            </a:r>
-          </a:p>
-          <a:p>
-            <a:r>
-              <a:rPr lang="en-US" dirty="0" smtClean="0"/>
-              <a:t>JavaScript to program the behavior of web pages</a:t>
-            </a:r>
-          </a:p>
-          <a:p>
-            <a:r>
-              <a:rPr lang="en-US" dirty="0" smtClean="0"/>
-              <a:t>Majority of Snap! is JavaScript</a:t>
-            </a:r>
-            <a:endParaRPr lang="en-US" dirty="0"/>
+              <a:t>A folder which acts like a “camera”</a:t>
+            </a:r>
+          </a:p>
+          <a:p>
+            <a:pPr lvl="1"/>
+            <a:r>
+              <a:rPr lang="en-US" dirty="0" smtClean="0"/>
+              <a:t>It tracks all the files and sub folders contained in the repository but only if you tell </a:t>
+            </a:r>
+            <a:r>
+              <a:rPr lang="en-US" dirty="0" err="1" smtClean="0"/>
+              <a:t>git</a:t>
+            </a:r>
+            <a:r>
+              <a:rPr lang="en-US" dirty="0" smtClean="0"/>
+              <a:t> to track these things!</a:t>
+            </a:r>
+          </a:p>
+          <a:p>
+            <a:pPr lvl="1"/>
+            <a:endParaRPr lang="en-US" dirty="0" smtClean="0"/>
+          </a:p>
+          <a:p>
+            <a:r>
+              <a:rPr lang="en-US" dirty="0" smtClean="0"/>
+              <a:t>Let’s “clone” the repository on </a:t>
+            </a:r>
+            <a:r>
+              <a:rPr lang="en-US" dirty="0" err="1" smtClean="0"/>
+              <a:t>Github</a:t>
+            </a:r>
+            <a:r>
+              <a:rPr lang="en-US" dirty="0" smtClean="0"/>
+              <a:t> to a folder on your personal computer</a:t>
+            </a:r>
+          </a:p>
+          <a:p>
+            <a:pPr lvl="1"/>
+            <a:r>
+              <a:rPr lang="en-US" dirty="0" err="1" smtClean="0"/>
+              <a:t>Git</a:t>
+            </a:r>
+            <a:r>
+              <a:rPr lang="en-US" dirty="0" smtClean="0"/>
+              <a:t> clone &lt;</a:t>
+            </a:r>
+            <a:r>
+              <a:rPr lang="en-US" i="1" dirty="0" smtClean="0"/>
+              <a:t>link to your newly created repo here&gt;</a:t>
+            </a:r>
+          </a:p>
+          <a:p>
+            <a:pPr lvl="1"/>
+            <a:endParaRPr lang="en-US" i="1" dirty="0"/>
+          </a:p>
+          <a:p>
+            <a:r>
+              <a:rPr lang="en-US" i="1" dirty="0" smtClean="0"/>
+              <a:t>Now we’re ready to start on our first assignment</a:t>
+            </a:r>
+            <a:endParaRPr lang="en-US" i="1" dirty="0"/>
           </a:p>
         </p:txBody>
       </p:sp>
     </p:spTree>
     <p:extLst>
       <p:ext uri="{BB962C8B-B14F-4D97-AF65-F5344CB8AC3E}">
-        <p14:creationId xmlns:p14="http://schemas.microsoft.com/office/powerpoint/2010/main" val="2844271957"/>
+        <p14:creationId xmlns:p14="http://schemas.microsoft.com/office/powerpoint/2010/main" val="4135790850"/>
       </p:ext>
     </p:extLst>
   </p:cSld>
@@ -3524,8 +3562,39 @@
           <a:lstStyle/>
           <a:p>
             <a:r>
-              <a:rPr lang="en-US" dirty="0" smtClean="0"/>
-              <a:t>Q &amp; A</a:t>
+              <a:rPr lang="en-US" smtClean="0"/>
+              <a:t>Front-end</a:t>
+            </a:r>
+            <a:endParaRPr lang="en-US" dirty="0"/>
+          </a:p>
+        </p:txBody>
+      </p:sp>
+      <p:sp>
+        <p:nvSpPr>
+          <p:cNvPr id="3" name="Subtitle 2"/>
+          <p:cNvSpPr>
+            <a:spLocks noGrp="1"/>
+          </p:cNvSpPr>
+          <p:nvPr>
+            <p:ph type="subTitle" idx="1"/>
+          </p:nvPr>
+        </p:nvSpPr>
+        <p:spPr/>
+        <p:txBody>
+          <a:bodyPr/>
+          <a:lstStyle/>
+          <a:p>
+            <a:r>
+              <a:rPr lang="en-US" dirty="0" smtClean="0"/>
+              <a:t>Snap! Below the Line </a:t>
+            </a:r>
+            <a:r>
+              <a:rPr lang="en-US" dirty="0" err="1" smtClean="0"/>
+              <a:t>DeCal</a:t>
+            </a:r>
+            <a:r>
+              <a:rPr lang="en-US" dirty="0" smtClean="0"/>
+              <a:t> 2015 Fall</a:t>
             </a:r>
             <a:endParaRPr lang="en-US" dirty="0"/>
           </a:p>
@@ -3534,7 +3603,7 @@
     </p:spTree>
     <p:extLst>
       <p:ext uri="{BB962C8B-B14F-4D97-AF65-F5344CB8AC3E}">
-        <p14:creationId xmlns:p14="http://schemas.microsoft.com/office/powerpoint/2010/main" val="390073858"/>
+        <p14:creationId xmlns:p14="http://schemas.microsoft.com/office/powerpoint/2010/main" val="896692501"/>
       </p:ext>
     </p:extLst>
   </p:cSld>
@@ -3544,7 +3613,7 @@
 </p:sld>
 </file>
 
-<file path=ppt/slides/slide2.xml><?xml version="1.0" encoding="utf-8"?>
+<file path=ppt/slides/slide13.xml><?xml version="1.0" encoding="utf-8"?>
 <p:sld xmlns:a="http://schemas.openxmlformats.org/drawingml/2006/main" xmlns:r="http://schemas.openxmlformats.org/officeDocument/2006/relationships" xmlns:p="http://schemas.openxmlformats.org/presentationml/2006/main">
   <p:cSld>
     <p:spTree>
@@ -3660,7 +3729,7 @@
 </p:sld>
 </file>
 
-<file path=ppt/slides/slide3.xml><?xml version="1.0" encoding="utf-8"?>
+<file path=ppt/slides/slide14.xml><?xml version="1.0" encoding="utf-8"?>
 <p:sld xmlns:a="http://schemas.openxmlformats.org/drawingml/2006/main" xmlns:r="http://schemas.openxmlformats.org/officeDocument/2006/relationships" xmlns:p="http://schemas.openxmlformats.org/presentationml/2006/main">
   <p:cSld>
     <p:spTree>
@@ -3783,7 +3852,7 @@
 </p:sld>
 </file>
 
-<file path=ppt/slides/slide4.xml><?xml version="1.0" encoding="utf-8"?>
+<file path=ppt/slides/slide15.xml><?xml version="1.0" encoding="utf-8"?>
 <p:sld xmlns:a="http://schemas.openxmlformats.org/drawingml/2006/main" xmlns:r="http://schemas.openxmlformats.org/officeDocument/2006/relationships" xmlns:p="http://schemas.openxmlformats.org/presentationml/2006/main">
   <p:cSld>
     <p:spTree>
@@ -3912,7 +3981,7 @@
 </p:sld>
 </file>
 
-<file path=ppt/slides/slide5.xml><?xml version="1.0" encoding="utf-8"?>
+<file path=ppt/slides/slide16.xml><?xml version="1.0" encoding="utf-8"?>
 <p:sld xmlns:a="http://schemas.openxmlformats.org/drawingml/2006/main" xmlns:r="http://schemas.openxmlformats.org/officeDocument/2006/relationships" xmlns:p="http://schemas.openxmlformats.org/presentationml/2006/main">
   <p:cSld>
     <p:spTree>
@@ -3966,7 +4035,7 @@
 </p:sld>
 </file>
 
-<file path=ppt/slides/slide6.xml><?xml version="1.0" encoding="utf-8"?>
+<file path=ppt/slides/slide17.xml><?xml version="1.0" encoding="utf-8"?>
 <p:sld xmlns:a="http://schemas.openxmlformats.org/drawingml/2006/main" xmlns:r="http://schemas.openxmlformats.org/officeDocument/2006/relationships" xmlns:p="http://schemas.openxmlformats.org/presentationml/2006/main">
   <p:cSld>
     <p:spTree>
@@ -4072,7 +4141,7 @@
 </p:sld>
 </file>
 
-<file path=ppt/slides/slide7.xml><?xml version="1.0" encoding="utf-8"?>
+<file path=ppt/slides/slide18.xml><?xml version="1.0" encoding="utf-8"?>
 <p:sld xmlns:a="http://schemas.openxmlformats.org/drawingml/2006/main" xmlns:r="http://schemas.openxmlformats.org/officeDocument/2006/relationships" xmlns:p="http://schemas.openxmlformats.org/presentationml/2006/main">
   <p:cSld>
     <p:spTree>
@@ -4180,7 +4249,7 @@
 </p:sld>
 </file>
 
-<file path=ppt/slides/slide8.xml><?xml version="1.0" encoding="utf-8"?>
+<file path=ppt/slides/slide19.xml><?xml version="1.0" encoding="utf-8"?>
 <p:sld xmlns:a="http://schemas.openxmlformats.org/drawingml/2006/main" xmlns:r="http://schemas.openxmlformats.org/officeDocument/2006/relationships" xmlns:p="http://schemas.openxmlformats.org/presentationml/2006/main">
   <p:cSld>
     <p:spTree>
@@ -4259,6 +4328,1481 @@
 </p:sld>
 </file>
 
+<file path=ppt/slides/slide2.xml><?xml version="1.0" encoding="utf-8"?>
+<p:sld xmlns:a="http://schemas.openxmlformats.org/drawingml/2006/main" xmlns:r="http://schemas.openxmlformats.org/officeDocument/2006/relationships" xmlns:p="http://schemas.openxmlformats.org/presentationml/2006/main">
+  <p:cSld>
+    <p:spTree>
+      <p:nvGrpSpPr>
+        <p:cNvPr id="1" name=""/>
+        <p:cNvGrpSpPr/>
+        <p:nvPr/>
+      </p:nvGrpSpPr>
+      <p:grpSpPr>
+        <a:xfrm>
+          <a:off x="0" y="0"/>
+          <a:ext cx="0" cy="0"/>
+          <a:chOff x="0" y="0"/>
+          <a:chExt cx="0" cy="0"/>
+        </a:xfrm>
+      </p:grpSpPr>
+      <p:sp>
+        <p:nvSpPr>
+          <p:cNvPr id="2" name="Title 1"/>
+          <p:cNvSpPr>
+            <a:spLocks noGrp="1"/>
+          </p:cNvSpPr>
+          <p:nvPr>
+            <p:ph type="title"/>
+          </p:nvPr>
+        </p:nvSpPr>
+        <p:spPr/>
+        <p:txBody>
+          <a:bodyPr/>
+          <a:lstStyle/>
+          <a:p>
+            <a:r>
+              <a:rPr lang="en-US" dirty="0" smtClean="0"/>
+              <a:t>What is this decal about anyways?</a:t>
+            </a:r>
+            <a:endParaRPr lang="fr-FR" dirty="0"/>
+          </a:p>
+        </p:txBody>
+      </p:sp>
+      <p:sp>
+        <p:nvSpPr>
+          <p:cNvPr id="3" name="Content Placeholder 2"/>
+          <p:cNvSpPr>
+            <a:spLocks noGrp="1"/>
+          </p:cNvSpPr>
+          <p:nvPr>
+            <p:ph idx="1"/>
+          </p:nvPr>
+        </p:nvSpPr>
+        <p:spPr>
+          <a:xfrm>
+            <a:off x="457200" y="3063240"/>
+            <a:ext cx="7620000" cy="1289304"/>
+          </a:xfrm>
+        </p:spPr>
+        <p:txBody>
+          <a:bodyPr>
+            <a:normAutofit fontScale="85000" lnSpcReduction="20000"/>
+          </a:bodyPr>
+          <a:lstStyle/>
+          <a:p>
+            <a:r>
+              <a:rPr lang="en-US" sz="3500" dirty="0" smtClean="0"/>
+              <a:t>Learning to work on and manage a large code base</a:t>
+            </a:r>
+          </a:p>
+          <a:p>
+            <a:r>
+              <a:rPr lang="en-US" sz="3500" dirty="0" smtClean="0"/>
+              <a:t>Cultivating interest in Snap Dev team</a:t>
+            </a:r>
+          </a:p>
+          <a:p>
+            <a:endParaRPr lang="fr-FR" dirty="0"/>
+          </a:p>
+        </p:txBody>
+      </p:sp>
+    </p:spTree>
+    <p:extLst>
+      <p:ext uri="{BB962C8B-B14F-4D97-AF65-F5344CB8AC3E}">
+        <p14:creationId xmlns:p14="http://schemas.microsoft.com/office/powerpoint/2010/main" val="3767624790"/>
+      </p:ext>
+    </p:extLst>
+  </p:cSld>
+  <p:clrMapOvr>
+    <a:masterClrMapping/>
+  </p:clrMapOvr>
+</p:sld>
+</file>
+
+<file path=ppt/slides/slide20.xml><?xml version="1.0" encoding="utf-8"?>
+<p:sld xmlns:a="http://schemas.openxmlformats.org/drawingml/2006/main" xmlns:r="http://schemas.openxmlformats.org/officeDocument/2006/relationships" xmlns:p="http://schemas.openxmlformats.org/presentationml/2006/main">
+  <p:cSld>
+    <p:spTree>
+      <p:nvGrpSpPr>
+        <p:cNvPr id="1" name=""/>
+        <p:cNvGrpSpPr/>
+        <p:nvPr/>
+      </p:nvGrpSpPr>
+      <p:grpSpPr>
+        <a:xfrm>
+          <a:off x="0" y="0"/>
+          <a:ext cx="0" cy="0"/>
+          <a:chOff x="0" y="0"/>
+          <a:chExt cx="0" cy="0"/>
+        </a:xfrm>
+      </p:grpSpPr>
+      <p:sp>
+        <p:nvSpPr>
+          <p:cNvPr id="2" name="Title 1"/>
+          <p:cNvSpPr>
+            <a:spLocks noGrp="1"/>
+          </p:cNvSpPr>
+          <p:nvPr>
+            <p:ph type="title"/>
+          </p:nvPr>
+        </p:nvSpPr>
+        <p:spPr/>
+        <p:txBody>
+          <a:bodyPr/>
+          <a:lstStyle/>
+          <a:p>
+            <a:r>
+              <a:rPr lang="en-US" dirty="0" err="1" smtClean="0"/>
+              <a:t>Javascript</a:t>
+            </a:r>
+            <a:endParaRPr lang="en-US" dirty="0"/>
+          </a:p>
+        </p:txBody>
+      </p:sp>
+      <p:sp>
+        <p:nvSpPr>
+          <p:cNvPr id="3" name="Content Placeholder 2"/>
+          <p:cNvSpPr>
+            <a:spLocks noGrp="1"/>
+          </p:cNvSpPr>
+          <p:nvPr>
+            <p:ph idx="1"/>
+          </p:nvPr>
+        </p:nvSpPr>
+        <p:spPr/>
+        <p:txBody>
+          <a:bodyPr/>
+          <a:lstStyle/>
+          <a:p>
+            <a:r>
+              <a:rPr lang="en-US" dirty="0" smtClean="0"/>
+              <a:t>Programming language of HTML and the web.</a:t>
+            </a:r>
+          </a:p>
+          <a:p>
+            <a:r>
+              <a:rPr lang="en-US" dirty="0" smtClean="0"/>
+              <a:t>Why learn </a:t>
+            </a:r>
+            <a:r>
+              <a:rPr lang="en-US" dirty="0" err="1" smtClean="0"/>
+              <a:t>Javascript</a:t>
+            </a:r>
+            <a:r>
+              <a:rPr lang="en-US" dirty="0" smtClean="0"/>
+              <a:t>?</a:t>
+            </a:r>
+          </a:p>
+          <a:p>
+            <a:pPr lvl="1"/>
+            <a:r>
+              <a:rPr lang="en-US" dirty="0" smtClean="0"/>
+              <a:t>Snap! is built using </a:t>
+            </a:r>
+            <a:r>
+              <a:rPr lang="en-US" dirty="0" err="1" smtClean="0"/>
+              <a:t>Javascript</a:t>
+            </a:r>
+            <a:endParaRPr lang="en-US" dirty="0" smtClean="0"/>
+          </a:p>
+          <a:p>
+            <a:r>
+              <a:rPr lang="en-US" dirty="0" smtClean="0"/>
+              <a:t>Exercise:</a:t>
+            </a:r>
+          </a:p>
+          <a:p>
+            <a:pPr lvl="1"/>
+            <a:r>
+              <a:rPr lang="en-US" dirty="0"/>
+              <a:t>http://www.w3schools.com/</a:t>
+            </a:r>
+            <a:r>
+              <a:rPr lang="en-US" dirty="0" err="1"/>
+              <a:t>js</a:t>
+            </a:r>
+            <a:r>
+              <a:rPr lang="en-US" dirty="0"/>
+              <a:t>/</a:t>
+            </a:r>
+            <a:r>
+              <a:rPr lang="en-US" dirty="0" err="1"/>
+              <a:t>tryit.asp?filename</a:t>
+            </a:r>
+            <a:r>
+              <a:rPr lang="en-US" dirty="0"/>
+              <a:t>=</a:t>
+            </a:r>
+            <a:r>
+              <a:rPr lang="en-US" dirty="0" err="1"/>
+              <a:t>tryjs_myfirst</a:t>
+            </a:r>
+            <a:endParaRPr lang="en-US" dirty="0"/>
+          </a:p>
+        </p:txBody>
+      </p:sp>
+    </p:spTree>
+    <p:extLst>
+      <p:ext uri="{BB962C8B-B14F-4D97-AF65-F5344CB8AC3E}">
+        <p14:creationId xmlns:p14="http://schemas.microsoft.com/office/powerpoint/2010/main" val="254414816"/>
+      </p:ext>
+    </p:extLst>
+  </p:cSld>
+  <p:clrMapOvr>
+    <a:masterClrMapping/>
+  </p:clrMapOvr>
+  <p:timing>
+    <p:tnLst>
+      <p:par>
+        <p:cTn xmlns:p14="http://schemas.microsoft.com/office/powerpoint/2010/main" id="1" dur="indefinite" restart="never" nodeType="tmRoot"/>
+      </p:par>
+    </p:tnLst>
+  </p:timing>
+</p:sld>
+</file>
+
+<file path=ppt/slides/slide21.xml><?xml version="1.0" encoding="utf-8"?>
+<p:sld xmlns:a="http://schemas.openxmlformats.org/drawingml/2006/main" xmlns:r="http://schemas.openxmlformats.org/officeDocument/2006/relationships" xmlns:p="http://schemas.openxmlformats.org/presentationml/2006/main">
+  <p:cSld>
+    <p:spTree>
+      <p:nvGrpSpPr>
+        <p:cNvPr id="1" name=""/>
+        <p:cNvGrpSpPr/>
+        <p:nvPr/>
+      </p:nvGrpSpPr>
+      <p:grpSpPr>
+        <a:xfrm>
+          <a:off x="0" y="0"/>
+          <a:ext cx="0" cy="0"/>
+          <a:chOff x="0" y="0"/>
+          <a:chExt cx="0" cy="0"/>
+        </a:xfrm>
+      </p:grpSpPr>
+      <p:sp>
+        <p:nvSpPr>
+          <p:cNvPr id="2" name="Title 1"/>
+          <p:cNvSpPr>
+            <a:spLocks noGrp="1"/>
+          </p:cNvSpPr>
+          <p:nvPr>
+            <p:ph type="title"/>
+          </p:nvPr>
+        </p:nvSpPr>
+        <p:spPr/>
+        <p:txBody>
+          <a:bodyPr/>
+          <a:lstStyle/>
+          <a:p>
+            <a:r>
+              <a:rPr lang="en-US" dirty="0" smtClean="0"/>
+              <a:t>Week1 Assignment</a:t>
+            </a:r>
+            <a:endParaRPr lang="en-US" dirty="0"/>
+          </a:p>
+        </p:txBody>
+      </p:sp>
+      <p:pic>
+        <p:nvPicPr>
+          <p:cNvPr id="4" name="Content Placeholder 3"/>
+          <p:cNvPicPr>
+            <a:picLocks noGrp="1" noChangeAspect="1"/>
+          </p:cNvPicPr>
+          <p:nvPr>
+            <p:ph idx="1"/>
+          </p:nvPr>
+        </p:nvPicPr>
+        <p:blipFill>
+          <a:blip r:embed="rId2"/>
+          <a:srcRect t="-39813" b="-39813"/>
+          <a:stretch>
+            <a:fillRect/>
+          </a:stretch>
+        </p:blipFill>
+        <p:spPr>
+          <a:xfrm>
+            <a:off x="264762" y="274638"/>
+            <a:ext cx="8197302" cy="5164300"/>
+          </a:xfrm>
+        </p:spPr>
+      </p:pic>
+      <p:sp>
+        <p:nvSpPr>
+          <p:cNvPr id="5" name="TextBox 4"/>
+          <p:cNvSpPr txBox="1"/>
+          <p:nvPr/>
+        </p:nvSpPr>
+        <p:spPr>
+          <a:xfrm>
+            <a:off x="457200" y="4374239"/>
+            <a:ext cx="7620000" cy="2062103"/>
+          </a:xfrm>
+          <a:prstGeom prst="rect">
+            <a:avLst/>
+          </a:prstGeom>
+          <a:noFill/>
+        </p:spPr>
+        <p:txBody>
+          <a:bodyPr wrap="square" rtlCol="0">
+            <a:spAutoFit/>
+          </a:bodyPr>
+          <a:lstStyle/>
+          <a:p>
+            <a:r>
+              <a:rPr lang="en-US" sz="3200" dirty="0" smtClean="0"/>
+              <a:t>Introduce yourself in your own HTML file using various tags</a:t>
+            </a:r>
+          </a:p>
+          <a:p>
+            <a:endParaRPr lang="en-US" sz="3200" dirty="0"/>
+          </a:p>
+          <a:p>
+            <a:r>
+              <a:rPr lang="en-US" sz="3200" dirty="0" smtClean="0"/>
+              <a:t>Make it pretty!</a:t>
+            </a:r>
+            <a:endParaRPr lang="en-US" sz="3200" dirty="0"/>
+          </a:p>
+        </p:txBody>
+      </p:sp>
+    </p:spTree>
+    <p:extLst>
+      <p:ext uri="{BB962C8B-B14F-4D97-AF65-F5344CB8AC3E}">
+        <p14:creationId xmlns:p14="http://schemas.microsoft.com/office/powerpoint/2010/main" val="872985899"/>
+      </p:ext>
+    </p:extLst>
+  </p:cSld>
+  <p:clrMapOvr>
+    <a:masterClrMapping/>
+  </p:clrMapOvr>
+  <p:timing>
+    <p:tnLst>
+      <p:par>
+        <p:cTn xmlns:p14="http://schemas.microsoft.com/office/powerpoint/2010/main" id="1" dur="indefinite" restart="never" nodeType="tmRoot"/>
+      </p:par>
+    </p:tnLst>
+  </p:timing>
+</p:sld>
+</file>
+
+<file path=ppt/slides/slide22.xml><?xml version="1.0" encoding="utf-8"?>
+<p:sld xmlns:a="http://schemas.openxmlformats.org/drawingml/2006/main" xmlns:r="http://schemas.openxmlformats.org/officeDocument/2006/relationships" xmlns:p="http://schemas.openxmlformats.org/presentationml/2006/main">
+  <p:cSld>
+    <p:spTree>
+      <p:nvGrpSpPr>
+        <p:cNvPr id="1" name=""/>
+        <p:cNvGrpSpPr/>
+        <p:nvPr/>
+      </p:nvGrpSpPr>
+      <p:grpSpPr>
+        <a:xfrm>
+          <a:off x="0" y="0"/>
+          <a:ext cx="0" cy="0"/>
+          <a:chOff x="0" y="0"/>
+          <a:chExt cx="0" cy="0"/>
+        </a:xfrm>
+      </p:grpSpPr>
+      <p:sp>
+        <p:nvSpPr>
+          <p:cNvPr id="2" name="Title 1"/>
+          <p:cNvSpPr>
+            <a:spLocks noGrp="1"/>
+          </p:cNvSpPr>
+          <p:nvPr>
+            <p:ph type="title"/>
+          </p:nvPr>
+        </p:nvSpPr>
+        <p:spPr/>
+        <p:txBody>
+          <a:bodyPr/>
+          <a:lstStyle/>
+          <a:p>
+            <a:r>
+              <a:rPr lang="en-US" dirty="0" smtClean="0"/>
+              <a:t>Summary</a:t>
+            </a:r>
+            <a:endParaRPr lang="en-US" dirty="0"/>
+          </a:p>
+        </p:txBody>
+      </p:sp>
+      <p:sp>
+        <p:nvSpPr>
+          <p:cNvPr id="3" name="Content Placeholder 2"/>
+          <p:cNvSpPr>
+            <a:spLocks noGrp="1"/>
+          </p:cNvSpPr>
+          <p:nvPr>
+            <p:ph idx="1"/>
+          </p:nvPr>
+        </p:nvSpPr>
+        <p:spPr/>
+        <p:txBody>
+          <a:bodyPr/>
+          <a:lstStyle/>
+          <a:p>
+            <a:r>
+              <a:rPr lang="en-US" dirty="0" smtClean="0"/>
+              <a:t>HTML defines the content of web pages</a:t>
+            </a:r>
+          </a:p>
+          <a:p>
+            <a:r>
+              <a:rPr lang="en-US" dirty="0" smtClean="0"/>
+              <a:t>CSS to specify the layout of web pages</a:t>
+            </a:r>
+          </a:p>
+          <a:p>
+            <a:r>
+              <a:rPr lang="en-US" dirty="0" smtClean="0"/>
+              <a:t>JavaScript to program the behavior of web pages</a:t>
+            </a:r>
+          </a:p>
+          <a:p>
+            <a:r>
+              <a:rPr lang="en-US" dirty="0" smtClean="0"/>
+              <a:t>Majority of Snap! is JavaScript</a:t>
+            </a:r>
+            <a:endParaRPr lang="en-US" dirty="0"/>
+          </a:p>
+        </p:txBody>
+      </p:sp>
+    </p:spTree>
+    <p:extLst>
+      <p:ext uri="{BB962C8B-B14F-4D97-AF65-F5344CB8AC3E}">
+        <p14:creationId xmlns:p14="http://schemas.microsoft.com/office/powerpoint/2010/main" val="2844271957"/>
+      </p:ext>
+    </p:extLst>
+  </p:cSld>
+  <p:clrMapOvr>
+    <a:masterClrMapping/>
+  </p:clrMapOvr>
+</p:sld>
+</file>
+
+<file path=ppt/slides/slide23.xml><?xml version="1.0" encoding="utf-8"?>
+<p:sld xmlns:a="http://schemas.openxmlformats.org/drawingml/2006/main" xmlns:r="http://schemas.openxmlformats.org/officeDocument/2006/relationships" xmlns:p="http://schemas.openxmlformats.org/presentationml/2006/main">
+  <p:cSld>
+    <p:spTree>
+      <p:nvGrpSpPr>
+        <p:cNvPr id="1" name=""/>
+        <p:cNvGrpSpPr/>
+        <p:nvPr/>
+      </p:nvGrpSpPr>
+      <p:grpSpPr>
+        <a:xfrm>
+          <a:off x="0" y="0"/>
+          <a:ext cx="0" cy="0"/>
+          <a:chOff x="0" y="0"/>
+          <a:chExt cx="0" cy="0"/>
+        </a:xfrm>
+      </p:grpSpPr>
+      <p:sp>
+        <p:nvSpPr>
+          <p:cNvPr id="2" name="Title 1"/>
+          <p:cNvSpPr>
+            <a:spLocks noGrp="1"/>
+          </p:cNvSpPr>
+          <p:nvPr>
+            <p:ph type="ctrTitle"/>
+          </p:nvPr>
+        </p:nvSpPr>
+        <p:spPr/>
+        <p:txBody>
+          <a:bodyPr/>
+          <a:lstStyle/>
+          <a:p>
+            <a:r>
+              <a:rPr lang="en-US" dirty="0" smtClean="0"/>
+              <a:t>Q &amp; A</a:t>
+            </a:r>
+            <a:endParaRPr lang="en-US" dirty="0"/>
+          </a:p>
+        </p:txBody>
+      </p:sp>
+    </p:spTree>
+    <p:extLst>
+      <p:ext uri="{BB962C8B-B14F-4D97-AF65-F5344CB8AC3E}">
+        <p14:creationId xmlns:p14="http://schemas.microsoft.com/office/powerpoint/2010/main" val="390073858"/>
+      </p:ext>
+    </p:extLst>
+  </p:cSld>
+  <p:clrMapOvr>
+    <a:masterClrMapping/>
+  </p:clrMapOvr>
+</p:sld>
+</file>
+
+<file path=ppt/slides/slide24.xml><?xml version="1.0" encoding="utf-8"?>
+<p:sld xmlns:a="http://schemas.openxmlformats.org/drawingml/2006/main" xmlns:r="http://schemas.openxmlformats.org/officeDocument/2006/relationships" xmlns:p="http://schemas.openxmlformats.org/presentationml/2006/main">
+  <p:cSld>
+    <p:spTree>
+      <p:nvGrpSpPr>
+        <p:cNvPr id="1" name=""/>
+        <p:cNvGrpSpPr/>
+        <p:nvPr/>
+      </p:nvGrpSpPr>
+      <p:grpSpPr>
+        <a:xfrm>
+          <a:off x="0" y="0"/>
+          <a:ext cx="0" cy="0"/>
+          <a:chOff x="0" y="0"/>
+          <a:chExt cx="0" cy="0"/>
+        </a:xfrm>
+      </p:grpSpPr>
+      <p:sp>
+        <p:nvSpPr>
+          <p:cNvPr id="2" name="Title 1"/>
+          <p:cNvSpPr>
+            <a:spLocks noGrp="1"/>
+          </p:cNvSpPr>
+          <p:nvPr>
+            <p:ph type="title"/>
+          </p:nvPr>
+        </p:nvSpPr>
+        <p:spPr/>
+        <p:txBody>
+          <a:bodyPr/>
+          <a:lstStyle/>
+          <a:p>
+            <a:r>
+              <a:rPr lang="en-US" dirty="0" smtClean="0"/>
+              <a:t>Tracking Your Work with </a:t>
+            </a:r>
+            <a:r>
+              <a:rPr lang="en-US" dirty="0" err="1" smtClean="0"/>
+              <a:t>Github</a:t>
+            </a:r>
+            <a:endParaRPr lang="fr-FR" dirty="0"/>
+          </a:p>
+        </p:txBody>
+      </p:sp>
+      <p:sp>
+        <p:nvSpPr>
+          <p:cNvPr id="3" name="Content Placeholder 2"/>
+          <p:cNvSpPr>
+            <a:spLocks noGrp="1"/>
+          </p:cNvSpPr>
+          <p:nvPr>
+            <p:ph idx="1"/>
+          </p:nvPr>
+        </p:nvSpPr>
+        <p:spPr/>
+        <p:txBody>
+          <a:bodyPr/>
+          <a:lstStyle/>
+          <a:p>
+            <a:r>
+              <a:rPr lang="en-US" dirty="0" smtClean="0"/>
+              <a:t>You will need to run the command</a:t>
+            </a:r>
+          </a:p>
+          <a:p>
+            <a:pPr lvl="1"/>
+            <a:r>
+              <a:rPr lang="en-US" dirty="0" err="1" smtClean="0"/>
+              <a:t>Git</a:t>
+            </a:r>
+            <a:r>
+              <a:rPr lang="en-US" dirty="0" smtClean="0"/>
+              <a:t> add &lt;file name here&gt;</a:t>
+            </a:r>
+          </a:p>
+          <a:p>
+            <a:r>
+              <a:rPr lang="en-US" dirty="0" smtClean="0"/>
+              <a:t>This will tell </a:t>
+            </a:r>
+            <a:r>
+              <a:rPr lang="en-US" dirty="0" err="1" smtClean="0"/>
+              <a:t>git</a:t>
+            </a:r>
+            <a:r>
+              <a:rPr lang="en-US" dirty="0" smtClean="0"/>
+              <a:t> to track your file</a:t>
+            </a:r>
+          </a:p>
+          <a:p>
+            <a:r>
+              <a:rPr lang="en-US" dirty="0" smtClean="0"/>
+              <a:t>Then when you want to save the changes you have made run</a:t>
+            </a:r>
+          </a:p>
+          <a:p>
+            <a:pPr lvl="1"/>
+            <a:r>
+              <a:rPr lang="en-US" dirty="0" err="1" smtClean="0"/>
+              <a:t>Git</a:t>
+            </a:r>
+            <a:r>
+              <a:rPr lang="en-US" dirty="0" smtClean="0"/>
+              <a:t> commit –m “&lt;Relevant message about changes goes here&gt;”</a:t>
+            </a:r>
+            <a:endParaRPr lang="fr-FR" dirty="0"/>
+          </a:p>
+          <a:p>
+            <a:r>
+              <a:rPr lang="en-US" dirty="0" smtClean="0"/>
+              <a:t>Finally to push the changes up to </a:t>
+            </a:r>
+            <a:r>
+              <a:rPr lang="en-US" dirty="0" err="1" smtClean="0"/>
+              <a:t>github</a:t>
+            </a:r>
+            <a:r>
+              <a:rPr lang="en-US" dirty="0" smtClean="0"/>
+              <a:t> we run</a:t>
+            </a:r>
+          </a:p>
+          <a:p>
+            <a:pPr lvl="1"/>
+            <a:r>
+              <a:rPr lang="en-US" dirty="0" err="1" smtClean="0"/>
+              <a:t>Git</a:t>
+            </a:r>
+            <a:r>
+              <a:rPr lang="en-US" dirty="0" smtClean="0"/>
+              <a:t> push origin master</a:t>
+            </a:r>
+          </a:p>
+          <a:p>
+            <a:r>
+              <a:rPr lang="en-US" dirty="0" smtClean="0"/>
+              <a:t>Now your file has been saved!</a:t>
+            </a:r>
+            <a:endParaRPr lang="fr-FR" dirty="0"/>
+          </a:p>
+        </p:txBody>
+      </p:sp>
+    </p:spTree>
+    <p:extLst>
+      <p:ext uri="{BB962C8B-B14F-4D97-AF65-F5344CB8AC3E}">
+        <p14:creationId xmlns:p14="http://schemas.microsoft.com/office/powerpoint/2010/main" val="870025488"/>
+      </p:ext>
+    </p:extLst>
+  </p:cSld>
+  <p:clrMapOvr>
+    <a:masterClrMapping/>
+  </p:clrMapOvr>
+</p:sld>
+</file>
+
+<file path=ppt/slides/slide25.xml><?xml version="1.0" encoding="utf-8"?>
+<p:sld xmlns:a="http://schemas.openxmlformats.org/drawingml/2006/main" xmlns:r="http://schemas.openxmlformats.org/officeDocument/2006/relationships" xmlns:p="http://schemas.openxmlformats.org/presentationml/2006/main">
+  <p:cSld>
+    <p:spTree>
+      <p:nvGrpSpPr>
+        <p:cNvPr id="1" name=""/>
+        <p:cNvGrpSpPr/>
+        <p:nvPr/>
+      </p:nvGrpSpPr>
+      <p:grpSpPr>
+        <a:xfrm>
+          <a:off x="0" y="0"/>
+          <a:ext cx="0" cy="0"/>
+          <a:chOff x="0" y="0"/>
+          <a:chExt cx="0" cy="0"/>
+        </a:xfrm>
+      </p:grpSpPr>
+      <p:sp>
+        <p:nvSpPr>
+          <p:cNvPr id="2" name="Title 1"/>
+          <p:cNvSpPr>
+            <a:spLocks noGrp="1"/>
+          </p:cNvSpPr>
+          <p:nvPr>
+            <p:ph type="title"/>
+          </p:nvPr>
+        </p:nvSpPr>
+        <p:spPr/>
+        <p:txBody>
+          <a:bodyPr/>
+          <a:lstStyle/>
+          <a:p>
+            <a:r>
+              <a:rPr lang="en-US" dirty="0" smtClean="0"/>
+              <a:t>Don’t Call it Homework</a:t>
+            </a:r>
+            <a:endParaRPr lang="fr-FR" dirty="0"/>
+          </a:p>
+        </p:txBody>
+      </p:sp>
+      <p:sp>
+        <p:nvSpPr>
+          <p:cNvPr id="3" name="Content Placeholder 2"/>
+          <p:cNvSpPr>
+            <a:spLocks noGrp="1"/>
+          </p:cNvSpPr>
+          <p:nvPr>
+            <p:ph idx="1"/>
+          </p:nvPr>
+        </p:nvSpPr>
+        <p:spPr/>
+        <p:txBody>
+          <a:bodyPr/>
+          <a:lstStyle/>
+          <a:p>
+            <a:r>
+              <a:rPr lang="en-US" dirty="0" smtClean="0"/>
+              <a:t>Reading: </a:t>
+            </a:r>
+          </a:p>
+          <a:p>
+            <a:pPr lvl="1"/>
+            <a:r>
+              <a:rPr lang="fr-FR" dirty="0">
+                <a:hlinkClick r:id="rId2"/>
+              </a:rPr>
+              <a:t>http://</a:t>
+            </a:r>
+            <a:r>
+              <a:rPr lang="fr-FR" dirty="0" smtClean="0">
+                <a:hlinkClick r:id="rId2"/>
+              </a:rPr>
+              <a:t>git-scm.com/book/en/v1/Git-Basics</a:t>
+            </a:r>
+            <a:endParaRPr lang="fr-FR" dirty="0" smtClean="0"/>
+          </a:p>
+          <a:p>
+            <a:pPr lvl="1"/>
+            <a:r>
+              <a:rPr lang="fr-FR" dirty="0">
+                <a:hlinkClick r:id="rId3"/>
+              </a:rPr>
+              <a:t>https://</a:t>
+            </a:r>
+            <a:r>
+              <a:rPr lang="fr-FR" dirty="0" smtClean="0">
+                <a:hlinkClick r:id="rId3"/>
+              </a:rPr>
+              <a:t>docs.google.com/document/d/15debDrZIIUHng5GhcE3_4CRPFKIXXjKYYn3wJEV68Mc/edit</a:t>
+            </a:r>
+            <a:endParaRPr lang="en-US" dirty="0" smtClean="0"/>
+          </a:p>
+          <a:p>
+            <a:r>
+              <a:rPr lang="en-US" dirty="0" smtClean="0"/>
+              <a:t>*See the website for all homework assignments, reading links, course updates, and resources(the dates/assignments on the syllabus are subject to change)</a:t>
+            </a:r>
+            <a:endParaRPr lang="fr-FR" dirty="0" smtClean="0"/>
+          </a:p>
+        </p:txBody>
+      </p:sp>
+    </p:spTree>
+    <p:extLst>
+      <p:ext uri="{BB962C8B-B14F-4D97-AF65-F5344CB8AC3E}">
+        <p14:creationId xmlns:p14="http://schemas.microsoft.com/office/powerpoint/2010/main" val="47558220"/>
+      </p:ext>
+    </p:extLst>
+  </p:cSld>
+  <p:clrMapOvr>
+    <a:masterClrMapping/>
+  </p:clrMapOvr>
+</p:sld>
+</file>
+
+<file path=ppt/slides/slide3.xml><?xml version="1.0" encoding="utf-8"?>
+<p:sld xmlns:a="http://schemas.openxmlformats.org/drawingml/2006/main" xmlns:r="http://schemas.openxmlformats.org/officeDocument/2006/relationships" xmlns:p="http://schemas.openxmlformats.org/presentationml/2006/main">
+  <p:cSld>
+    <p:spTree>
+      <p:nvGrpSpPr>
+        <p:cNvPr id="1" name=""/>
+        <p:cNvGrpSpPr/>
+        <p:nvPr/>
+      </p:nvGrpSpPr>
+      <p:grpSpPr>
+        <a:xfrm>
+          <a:off x="0" y="0"/>
+          <a:ext cx="0" cy="0"/>
+          <a:chOff x="0" y="0"/>
+          <a:chExt cx="0" cy="0"/>
+        </a:xfrm>
+      </p:grpSpPr>
+      <p:sp>
+        <p:nvSpPr>
+          <p:cNvPr id="2" name="Title 1"/>
+          <p:cNvSpPr>
+            <a:spLocks noGrp="1"/>
+          </p:cNvSpPr>
+          <p:nvPr>
+            <p:ph type="title"/>
+          </p:nvPr>
+        </p:nvSpPr>
+        <p:spPr/>
+        <p:txBody>
+          <a:bodyPr/>
+          <a:lstStyle/>
+          <a:p>
+            <a:r>
+              <a:rPr lang="en-US" dirty="0" smtClean="0"/>
+              <a:t>What will you learn/accomplish?</a:t>
+            </a:r>
+            <a:endParaRPr lang="fr-FR" dirty="0"/>
+          </a:p>
+        </p:txBody>
+      </p:sp>
+      <p:sp>
+        <p:nvSpPr>
+          <p:cNvPr id="3" name="Content Placeholder 2"/>
+          <p:cNvSpPr>
+            <a:spLocks noGrp="1"/>
+          </p:cNvSpPr>
+          <p:nvPr>
+            <p:ph idx="1"/>
+          </p:nvPr>
+        </p:nvSpPr>
+        <p:spPr/>
+        <p:txBody>
+          <a:bodyPr/>
+          <a:lstStyle/>
+          <a:p>
+            <a:r>
+              <a:rPr lang="en-US" dirty="0" smtClean="0"/>
+              <a:t>How to approach a large code base and break it down into manageable abstractions</a:t>
+            </a:r>
+          </a:p>
+          <a:p>
+            <a:r>
+              <a:rPr lang="en-US" dirty="0" smtClean="0"/>
+              <a:t>Using </a:t>
+            </a:r>
+            <a:r>
+              <a:rPr lang="en-US" dirty="0" err="1" smtClean="0"/>
+              <a:t>git</a:t>
+            </a:r>
+            <a:r>
+              <a:rPr lang="en-US" dirty="0" smtClean="0"/>
+              <a:t> to make contributions/enhancements to an existing project</a:t>
+            </a:r>
+          </a:p>
+          <a:p>
+            <a:r>
+              <a:rPr lang="en-US" dirty="0" smtClean="0"/>
+              <a:t>Understanding work flow of a development team</a:t>
+            </a:r>
+          </a:p>
+          <a:p>
+            <a:r>
+              <a:rPr lang="en-US" dirty="0" smtClean="0"/>
+              <a:t>Some experience in Java Script</a:t>
+            </a:r>
+            <a:endParaRPr lang="fr-FR" dirty="0" smtClean="0"/>
+          </a:p>
+          <a:p>
+            <a:r>
+              <a:rPr lang="en-US" dirty="0" smtClean="0"/>
+              <a:t>Experience with </a:t>
+            </a:r>
+            <a:r>
+              <a:rPr lang="en-US" dirty="0" err="1" smtClean="0"/>
+              <a:t>Git</a:t>
+            </a:r>
+            <a:r>
+              <a:rPr lang="en-US" dirty="0" smtClean="0"/>
+              <a:t> version control system</a:t>
+            </a:r>
+          </a:p>
+        </p:txBody>
+      </p:sp>
+    </p:spTree>
+    <p:extLst>
+      <p:ext uri="{BB962C8B-B14F-4D97-AF65-F5344CB8AC3E}">
+        <p14:creationId xmlns:p14="http://schemas.microsoft.com/office/powerpoint/2010/main" val="3224217068"/>
+      </p:ext>
+    </p:extLst>
+  </p:cSld>
+  <p:clrMapOvr>
+    <a:masterClrMapping/>
+  </p:clrMapOvr>
+</p:sld>
+</file>
+
+<file path=ppt/slides/slide4.xml><?xml version="1.0" encoding="utf-8"?>
+<p:sld xmlns:a="http://schemas.openxmlformats.org/drawingml/2006/main" xmlns:r="http://schemas.openxmlformats.org/officeDocument/2006/relationships" xmlns:p="http://schemas.openxmlformats.org/presentationml/2006/main">
+  <p:cSld>
+    <p:spTree>
+      <p:nvGrpSpPr>
+        <p:cNvPr id="1" name=""/>
+        <p:cNvGrpSpPr/>
+        <p:nvPr/>
+      </p:nvGrpSpPr>
+      <p:grpSpPr>
+        <a:xfrm>
+          <a:off x="0" y="0"/>
+          <a:ext cx="0" cy="0"/>
+          <a:chOff x="0" y="0"/>
+          <a:chExt cx="0" cy="0"/>
+        </a:xfrm>
+      </p:grpSpPr>
+      <p:sp>
+        <p:nvSpPr>
+          <p:cNvPr id="2" name="Title 1"/>
+          <p:cNvSpPr>
+            <a:spLocks noGrp="1"/>
+          </p:cNvSpPr>
+          <p:nvPr>
+            <p:ph type="title"/>
+          </p:nvPr>
+        </p:nvSpPr>
+        <p:spPr/>
+        <p:txBody>
+          <a:bodyPr/>
+          <a:lstStyle/>
+          <a:p>
+            <a:r>
+              <a:rPr lang="en-US" dirty="0" smtClean="0"/>
+              <a:t>Assignments</a:t>
+            </a:r>
+            <a:endParaRPr lang="fr-FR" dirty="0"/>
+          </a:p>
+        </p:txBody>
+      </p:sp>
+      <p:sp>
+        <p:nvSpPr>
+          <p:cNvPr id="3" name="Content Placeholder 2"/>
+          <p:cNvSpPr>
+            <a:spLocks noGrp="1"/>
+          </p:cNvSpPr>
+          <p:nvPr>
+            <p:ph idx="1"/>
+          </p:nvPr>
+        </p:nvSpPr>
+        <p:spPr/>
+        <p:txBody>
+          <a:bodyPr/>
+          <a:lstStyle/>
+          <a:p>
+            <a:r>
+              <a:rPr lang="en-US" dirty="0" smtClean="0"/>
+              <a:t>Weekly reading assignments</a:t>
+            </a:r>
+            <a:endParaRPr lang="fr-FR" dirty="0" smtClean="0"/>
+          </a:p>
+          <a:p>
+            <a:r>
+              <a:rPr lang="en-US" dirty="0" smtClean="0"/>
+              <a:t>3 or 4 in class mini-projects</a:t>
+            </a:r>
+          </a:p>
+          <a:p>
+            <a:r>
+              <a:rPr lang="en-US" dirty="0" smtClean="0"/>
+              <a:t>1 final project</a:t>
+            </a:r>
+          </a:p>
+        </p:txBody>
+      </p:sp>
+    </p:spTree>
+    <p:extLst>
+      <p:ext uri="{BB962C8B-B14F-4D97-AF65-F5344CB8AC3E}">
+        <p14:creationId xmlns:p14="http://schemas.microsoft.com/office/powerpoint/2010/main" val="2072741386"/>
+      </p:ext>
+    </p:extLst>
+  </p:cSld>
+  <p:clrMapOvr>
+    <a:masterClrMapping/>
+  </p:clrMapOvr>
+</p:sld>
+</file>
+
+<file path=ppt/slides/slide5.xml><?xml version="1.0" encoding="utf-8"?>
+<p:sld xmlns:a="http://schemas.openxmlformats.org/drawingml/2006/main" xmlns:r="http://schemas.openxmlformats.org/officeDocument/2006/relationships" xmlns:p="http://schemas.openxmlformats.org/presentationml/2006/main">
+  <p:cSld>
+    <p:spTree>
+      <p:nvGrpSpPr>
+        <p:cNvPr id="1" name=""/>
+        <p:cNvGrpSpPr/>
+        <p:nvPr/>
+      </p:nvGrpSpPr>
+      <p:grpSpPr>
+        <a:xfrm>
+          <a:off x="0" y="0"/>
+          <a:ext cx="0" cy="0"/>
+          <a:chOff x="0" y="0"/>
+          <a:chExt cx="0" cy="0"/>
+        </a:xfrm>
+      </p:grpSpPr>
+      <p:sp>
+        <p:nvSpPr>
+          <p:cNvPr id="2" name="Title 1"/>
+          <p:cNvSpPr>
+            <a:spLocks noGrp="1"/>
+          </p:cNvSpPr>
+          <p:nvPr>
+            <p:ph type="title"/>
+          </p:nvPr>
+        </p:nvSpPr>
+        <p:spPr/>
+        <p:txBody>
+          <a:bodyPr/>
+          <a:lstStyle/>
+          <a:p>
+            <a:r>
+              <a:rPr lang="en-US" dirty="0" smtClean="0"/>
+              <a:t>Final Project</a:t>
+            </a:r>
+            <a:endParaRPr lang="fr-FR" dirty="0"/>
+          </a:p>
+        </p:txBody>
+      </p:sp>
+      <p:sp>
+        <p:nvSpPr>
+          <p:cNvPr id="3" name="Content Placeholder 2"/>
+          <p:cNvSpPr>
+            <a:spLocks noGrp="1"/>
+          </p:cNvSpPr>
+          <p:nvPr>
+            <p:ph idx="1"/>
+          </p:nvPr>
+        </p:nvSpPr>
+        <p:spPr/>
+        <p:txBody>
+          <a:bodyPr/>
+          <a:lstStyle/>
+          <a:p>
+            <a:r>
+              <a:rPr lang="en-US" dirty="0" smtClean="0"/>
+              <a:t>This is your chance to make a significant contribution and/or enhancement to the Snap! Program</a:t>
+            </a:r>
+          </a:p>
+          <a:p>
+            <a:r>
+              <a:rPr lang="en-US" dirty="0" smtClean="0"/>
+              <a:t>You will work in teams of two mostly, three if necessary</a:t>
+            </a:r>
+          </a:p>
+          <a:p>
+            <a:r>
+              <a:rPr lang="en-US" dirty="0" smtClean="0"/>
+              <a:t>Final projects will be presented at the end of the semester</a:t>
+            </a:r>
+          </a:p>
+          <a:p>
+            <a:r>
+              <a:rPr lang="en-US" dirty="0" smtClean="0"/>
+              <a:t>Successful completion of final project is mandatory</a:t>
+            </a:r>
+            <a:endParaRPr lang="fr-FR" dirty="0"/>
+          </a:p>
+        </p:txBody>
+      </p:sp>
+    </p:spTree>
+    <p:extLst>
+      <p:ext uri="{BB962C8B-B14F-4D97-AF65-F5344CB8AC3E}">
+        <p14:creationId xmlns:p14="http://schemas.microsoft.com/office/powerpoint/2010/main" val="87439225"/>
+      </p:ext>
+    </p:extLst>
+  </p:cSld>
+  <p:clrMapOvr>
+    <a:masterClrMapping/>
+  </p:clrMapOvr>
+</p:sld>
+</file>
+
+<file path=ppt/slides/slide6.xml><?xml version="1.0" encoding="utf-8"?>
+<p:sld xmlns:a="http://schemas.openxmlformats.org/drawingml/2006/main" xmlns:r="http://schemas.openxmlformats.org/officeDocument/2006/relationships" xmlns:p="http://schemas.openxmlformats.org/presentationml/2006/main">
+  <p:cSld>
+    <p:spTree>
+      <p:nvGrpSpPr>
+        <p:cNvPr id="1" name=""/>
+        <p:cNvGrpSpPr/>
+        <p:nvPr/>
+      </p:nvGrpSpPr>
+      <p:grpSpPr>
+        <a:xfrm>
+          <a:off x="0" y="0"/>
+          <a:ext cx="0" cy="0"/>
+          <a:chOff x="0" y="0"/>
+          <a:chExt cx="0" cy="0"/>
+        </a:xfrm>
+      </p:grpSpPr>
+      <p:sp>
+        <p:nvSpPr>
+          <p:cNvPr id="2" name="Title 1"/>
+          <p:cNvSpPr>
+            <a:spLocks noGrp="1"/>
+          </p:cNvSpPr>
+          <p:nvPr>
+            <p:ph type="title"/>
+          </p:nvPr>
+        </p:nvSpPr>
+        <p:spPr/>
+        <p:txBody>
+          <a:bodyPr/>
+          <a:lstStyle/>
+          <a:p>
+            <a:r>
+              <a:rPr lang="en-US" dirty="0" smtClean="0"/>
+              <a:t>Grading</a:t>
+            </a:r>
+            <a:endParaRPr lang="fr-FR" dirty="0"/>
+          </a:p>
+        </p:txBody>
+      </p:sp>
+      <p:sp>
+        <p:nvSpPr>
+          <p:cNvPr id="3" name="Content Placeholder 2"/>
+          <p:cNvSpPr>
+            <a:spLocks noGrp="1"/>
+          </p:cNvSpPr>
+          <p:nvPr>
+            <p:ph idx="1"/>
+          </p:nvPr>
+        </p:nvSpPr>
+        <p:spPr/>
+        <p:txBody>
+          <a:bodyPr/>
+          <a:lstStyle/>
+          <a:p>
+            <a:pPr marL="114300" indent="0">
+              <a:buNone/>
+            </a:pPr>
+            <a:r>
+              <a:rPr lang="en-US" dirty="0" smtClean="0"/>
+              <a:t>You will be graded on the following criteria</a:t>
+            </a:r>
+          </a:p>
+          <a:p>
+            <a:r>
+              <a:rPr lang="en-US" dirty="0" smtClean="0"/>
+              <a:t>You may have up to two unexcused absences</a:t>
+            </a:r>
+          </a:p>
+          <a:p>
+            <a:r>
+              <a:rPr lang="en-US" dirty="0" smtClean="0"/>
+              <a:t>Reasonable effort and completion of all assignments</a:t>
+            </a:r>
+          </a:p>
+          <a:p>
+            <a:r>
+              <a:rPr lang="en-US" dirty="0" smtClean="0"/>
+              <a:t>Effort and completion of final project</a:t>
+            </a:r>
+          </a:p>
+        </p:txBody>
+      </p:sp>
+    </p:spTree>
+    <p:extLst>
+      <p:ext uri="{BB962C8B-B14F-4D97-AF65-F5344CB8AC3E}">
+        <p14:creationId xmlns:p14="http://schemas.microsoft.com/office/powerpoint/2010/main" val="2059410201"/>
+      </p:ext>
+    </p:extLst>
+  </p:cSld>
+  <p:clrMapOvr>
+    <a:masterClrMapping/>
+  </p:clrMapOvr>
+</p:sld>
+</file>
+
+<file path=ppt/slides/slide7.xml><?xml version="1.0" encoding="utf-8"?>
+<p:sld xmlns:a="http://schemas.openxmlformats.org/drawingml/2006/main" xmlns:r="http://schemas.openxmlformats.org/officeDocument/2006/relationships" xmlns:p="http://schemas.openxmlformats.org/presentationml/2006/main">
+  <p:cSld>
+    <p:spTree>
+      <p:nvGrpSpPr>
+        <p:cNvPr id="1" name=""/>
+        <p:cNvGrpSpPr/>
+        <p:nvPr/>
+      </p:nvGrpSpPr>
+      <p:grpSpPr>
+        <a:xfrm>
+          <a:off x="0" y="0"/>
+          <a:ext cx="0" cy="0"/>
+          <a:chOff x="0" y="0"/>
+          <a:chExt cx="0" cy="0"/>
+        </a:xfrm>
+      </p:grpSpPr>
+      <p:sp>
+        <p:nvSpPr>
+          <p:cNvPr id="2" name="Title 1"/>
+          <p:cNvSpPr>
+            <a:spLocks noGrp="1"/>
+          </p:cNvSpPr>
+          <p:nvPr>
+            <p:ph type="title"/>
+          </p:nvPr>
+        </p:nvSpPr>
+        <p:spPr/>
+        <p:txBody>
+          <a:bodyPr/>
+          <a:lstStyle/>
+          <a:p>
+            <a:r>
+              <a:rPr lang="en-US" dirty="0" smtClean="0"/>
+              <a:t>Survey</a:t>
+            </a:r>
+            <a:endParaRPr lang="fr-FR" dirty="0"/>
+          </a:p>
+        </p:txBody>
+      </p:sp>
+      <p:sp>
+        <p:nvSpPr>
+          <p:cNvPr id="3" name="Content Placeholder 2"/>
+          <p:cNvSpPr>
+            <a:spLocks noGrp="1"/>
+          </p:cNvSpPr>
+          <p:nvPr>
+            <p:ph idx="1"/>
+          </p:nvPr>
+        </p:nvSpPr>
+        <p:spPr/>
+        <p:txBody>
+          <a:bodyPr/>
+          <a:lstStyle/>
+          <a:p>
+            <a:r>
+              <a:rPr lang="en-US" dirty="0" smtClean="0"/>
+              <a:t>Please take a minute to fill out the following survey</a:t>
+            </a:r>
+          </a:p>
+          <a:p>
+            <a:pPr marL="114300" indent="0">
+              <a:buNone/>
+            </a:pPr>
+            <a:r>
+              <a:rPr lang="fr-FR" dirty="0">
+                <a:hlinkClick r:id="rId2"/>
+              </a:rPr>
+              <a:t>http://</a:t>
+            </a:r>
+            <a:r>
+              <a:rPr lang="fr-FR" dirty="0" smtClean="0">
+                <a:hlinkClick r:id="rId2"/>
+              </a:rPr>
+              <a:t>goo.gl/forms/RFYYKTSGkr</a:t>
+            </a:r>
+            <a:endParaRPr lang="fr-FR" dirty="0" smtClean="0"/>
+          </a:p>
+          <a:p>
+            <a:pPr marL="114300" indent="0">
+              <a:buNone/>
+            </a:pPr>
+            <a:endParaRPr lang="en-US" dirty="0"/>
+          </a:p>
+          <a:p>
+            <a:endParaRPr lang="en-US" dirty="0"/>
+          </a:p>
+          <a:p>
+            <a:pPr marL="114300" indent="0">
+              <a:buNone/>
+            </a:pPr>
+            <a:r>
+              <a:rPr lang="en-US" dirty="0"/>
+              <a:t>CCN’s for enrollment will be sent out via email to everyone who fills out </a:t>
+            </a:r>
+            <a:r>
+              <a:rPr lang="en-US" dirty="0" smtClean="0"/>
+              <a:t>the </a:t>
+            </a:r>
+            <a:r>
+              <a:rPr lang="fr-FR" dirty="0" err="1" smtClean="0"/>
+              <a:t>survey</a:t>
+            </a:r>
+            <a:r>
+              <a:rPr lang="fr-FR" dirty="0" smtClean="0"/>
+              <a:t>.</a:t>
+            </a:r>
+          </a:p>
+          <a:p>
+            <a:pPr marL="114300" indent="0">
+              <a:buNone/>
+            </a:pPr>
+            <a:endParaRPr lang="en-US" dirty="0"/>
+          </a:p>
+          <a:p>
+            <a:pPr marL="114300" indent="0">
+              <a:buNone/>
+            </a:pPr>
+            <a:r>
+              <a:rPr lang="en-US" dirty="0" smtClean="0"/>
+              <a:t>In order to enroll and get units for the decal you must fill out the survey or you will not get a CCN.</a:t>
+            </a:r>
+            <a:endParaRPr lang="fr-FR" dirty="0" smtClean="0"/>
+          </a:p>
+          <a:p>
+            <a:pPr marL="114300" indent="0">
+              <a:buNone/>
+            </a:pPr>
+            <a:endParaRPr lang="fr-FR" dirty="0"/>
+          </a:p>
+        </p:txBody>
+      </p:sp>
+    </p:spTree>
+    <p:extLst>
+      <p:ext uri="{BB962C8B-B14F-4D97-AF65-F5344CB8AC3E}">
+        <p14:creationId xmlns:p14="http://schemas.microsoft.com/office/powerpoint/2010/main" val="1491709869"/>
+      </p:ext>
+    </p:extLst>
+  </p:cSld>
+  <p:clrMapOvr>
+    <a:masterClrMapping/>
+  </p:clrMapOvr>
+</p:sld>
+</file>
+
+<file path=ppt/slides/slide8.xml><?xml version="1.0" encoding="utf-8"?>
+<p:sld xmlns:a="http://schemas.openxmlformats.org/drawingml/2006/main" xmlns:r="http://schemas.openxmlformats.org/officeDocument/2006/relationships" xmlns:p="http://schemas.openxmlformats.org/presentationml/2006/main">
+  <p:cSld>
+    <p:spTree>
+      <p:nvGrpSpPr>
+        <p:cNvPr id="1" name=""/>
+        <p:cNvGrpSpPr/>
+        <p:nvPr/>
+      </p:nvGrpSpPr>
+      <p:grpSpPr>
+        <a:xfrm>
+          <a:off x="0" y="0"/>
+          <a:ext cx="0" cy="0"/>
+          <a:chOff x="0" y="0"/>
+          <a:chExt cx="0" cy="0"/>
+        </a:xfrm>
+      </p:grpSpPr>
+      <p:sp>
+        <p:nvSpPr>
+          <p:cNvPr id="2" name="Title 1"/>
+          <p:cNvSpPr>
+            <a:spLocks noGrp="1"/>
+          </p:cNvSpPr>
+          <p:nvPr>
+            <p:ph type="title"/>
+          </p:nvPr>
+        </p:nvSpPr>
+        <p:spPr/>
+        <p:txBody>
+          <a:bodyPr/>
+          <a:lstStyle/>
+          <a:p>
+            <a:r>
+              <a:rPr lang="en-US" dirty="0" smtClean="0"/>
+              <a:t>Setup: The first steps to success</a:t>
+            </a:r>
+            <a:endParaRPr lang="fr-FR" dirty="0"/>
+          </a:p>
+        </p:txBody>
+      </p:sp>
+      <p:sp>
+        <p:nvSpPr>
+          <p:cNvPr id="3" name="Content Placeholder 2"/>
+          <p:cNvSpPr>
+            <a:spLocks noGrp="1"/>
+          </p:cNvSpPr>
+          <p:nvPr>
+            <p:ph idx="1"/>
+          </p:nvPr>
+        </p:nvSpPr>
+        <p:spPr/>
+        <p:txBody>
+          <a:bodyPr/>
+          <a:lstStyle/>
+          <a:p>
+            <a:r>
+              <a:rPr lang="en-US" dirty="0" smtClean="0"/>
+              <a:t>Text Editor</a:t>
+            </a:r>
+          </a:p>
+          <a:p>
+            <a:pPr lvl="1"/>
+            <a:r>
+              <a:rPr lang="en-US" dirty="0" smtClean="0"/>
+              <a:t>Recommended: Sublime</a:t>
+            </a:r>
+            <a:endParaRPr lang="fr-FR" dirty="0" smtClean="0"/>
+          </a:p>
+          <a:p>
+            <a:r>
+              <a:rPr lang="en-US" dirty="0" smtClean="0"/>
+              <a:t>Get </a:t>
+            </a:r>
+            <a:r>
+              <a:rPr lang="en-US" dirty="0" err="1" smtClean="0"/>
+              <a:t>git</a:t>
+            </a:r>
+            <a:r>
+              <a:rPr lang="en-US" dirty="0" smtClean="0"/>
+              <a:t> setup on you personal machine</a:t>
+            </a:r>
+          </a:p>
+          <a:p>
+            <a:pPr lvl="1"/>
+            <a:r>
+              <a:rPr lang="en-US" dirty="0" smtClean="0"/>
+              <a:t>Download </a:t>
+            </a:r>
+            <a:r>
+              <a:rPr lang="en-US" dirty="0" err="1" smtClean="0"/>
+              <a:t>Git</a:t>
+            </a:r>
+            <a:r>
+              <a:rPr lang="en-US" dirty="0" smtClean="0"/>
+              <a:t>: The Version Control Manager</a:t>
+            </a:r>
+          </a:p>
+          <a:p>
+            <a:pPr lvl="2"/>
+            <a:r>
+              <a:rPr lang="en-US" dirty="0">
+                <a:hlinkClick r:id="rId2"/>
+              </a:rPr>
+              <a:t>http://</a:t>
+            </a:r>
+            <a:r>
+              <a:rPr lang="en-US" dirty="0" smtClean="0">
+                <a:hlinkClick r:id="rId2"/>
+              </a:rPr>
+              <a:t>git-scm.com/downloads</a:t>
+            </a:r>
+            <a:endParaRPr lang="en-US" dirty="0" smtClean="0"/>
+          </a:p>
+          <a:p>
+            <a:pPr lvl="1"/>
+            <a:r>
+              <a:rPr lang="en-US" dirty="0" smtClean="0"/>
+              <a:t>Create a </a:t>
+            </a:r>
+            <a:r>
+              <a:rPr lang="en-US" dirty="0" err="1" smtClean="0"/>
+              <a:t>github</a:t>
+            </a:r>
+            <a:r>
+              <a:rPr lang="en-US" dirty="0" smtClean="0"/>
+              <a:t> account if you don’t have one already!</a:t>
+            </a:r>
+          </a:p>
+          <a:p>
+            <a:pPr lvl="1"/>
+            <a:r>
+              <a:rPr lang="en-US" dirty="0" smtClean="0"/>
+              <a:t>Some Advice on choosing a username:</a:t>
+            </a:r>
+          </a:p>
+          <a:p>
+            <a:pPr lvl="2"/>
+            <a:r>
+              <a:rPr lang="en-US" dirty="0" smtClean="0"/>
+              <a:t>Choose a username wisely as this is something you might want to show to employers and co workers later down the road</a:t>
+            </a:r>
+          </a:p>
+          <a:p>
+            <a:pPr lvl="2"/>
+            <a:r>
+              <a:rPr lang="en-US" dirty="0" smtClean="0"/>
+              <a:t>Keep it short and professional</a:t>
+            </a:r>
+            <a:endParaRPr lang="en-US" dirty="0"/>
+          </a:p>
+        </p:txBody>
+      </p:sp>
+    </p:spTree>
+    <p:extLst>
+      <p:ext uri="{BB962C8B-B14F-4D97-AF65-F5344CB8AC3E}">
+        <p14:creationId xmlns:p14="http://schemas.microsoft.com/office/powerpoint/2010/main" val="1749971695"/>
+      </p:ext>
+    </p:extLst>
+  </p:cSld>
+  <p:clrMapOvr>
+    <a:masterClrMapping/>
+  </p:clrMapOvr>
+</p:sld>
+</file>
+
 <file path=ppt/slides/slide9.xml><?xml version="1.0" encoding="utf-8"?>
 <p:sld xmlns:a="http://schemas.openxmlformats.org/drawingml/2006/main" xmlns:r="http://schemas.openxmlformats.org/officeDocument/2006/relationships" xmlns:p="http://schemas.openxmlformats.org/presentationml/2006/main">
   <p:cSld>
@@ -4293,111 +5837,88 @@
           <a:p>
             <a:r>
               <a:rPr lang="en-US" dirty="0" err="1" smtClean="0"/>
-              <a:t>Javascript</a:t>
-            </a:r>
+              <a:t>Git</a:t>
+            </a:r>
+            <a:r>
+              <a:rPr lang="en-US" dirty="0" smtClean="0"/>
+              <a:t> and GitHub!</a:t>
+            </a:r>
+            <a:endParaRPr lang="fr-FR" dirty="0"/>
+          </a:p>
+        </p:txBody>
+      </p:sp>
+      <p:sp>
+        <p:nvSpPr>
+          <p:cNvPr id="3" name="Content Placeholder 2"/>
+          <p:cNvSpPr>
+            <a:spLocks noGrp="1"/>
+          </p:cNvSpPr>
+          <p:nvPr>
+            <p:ph idx="1"/>
+          </p:nvPr>
+        </p:nvSpPr>
+        <p:spPr/>
+        <p:txBody>
+          <a:bodyPr/>
+          <a:lstStyle/>
+          <a:p>
+            <a:r>
+              <a:rPr lang="en-US" dirty="0" smtClean="0"/>
+              <a:t>Download &amp; setup time! We will be walking around the room to help you get </a:t>
+            </a:r>
+            <a:r>
+              <a:rPr lang="en-US" dirty="0" err="1" smtClean="0"/>
+              <a:t>git</a:t>
+            </a:r>
+            <a:r>
+              <a:rPr lang="en-US" dirty="0" smtClean="0"/>
+              <a:t> setup on your personal computer. If you finish early and find others around you still working see if they need any help!</a:t>
+            </a:r>
+          </a:p>
+          <a:p>
             <a:endParaRPr lang="en-US" dirty="0"/>
           </a:p>
-        </p:txBody>
-      </p:sp>
-      <p:sp>
-        <p:nvSpPr>
-          <p:cNvPr id="3" name="Content Placeholder 2"/>
-          <p:cNvSpPr>
-            <a:spLocks noGrp="1"/>
-          </p:cNvSpPr>
-          <p:nvPr>
-            <p:ph idx="1"/>
-          </p:nvPr>
-        </p:nvSpPr>
-        <p:spPr/>
-        <p:txBody>
-          <a:bodyPr/>
-          <a:lstStyle/>
-          <a:p>
-            <a:r>
-              <a:rPr lang="en-US" dirty="0" smtClean="0"/>
-              <a:t>Programming language of HTML and the web.</a:t>
-            </a:r>
-          </a:p>
-          <a:p>
-            <a:r>
-              <a:rPr lang="en-US" dirty="0" smtClean="0"/>
-              <a:t>Why learn </a:t>
+          <a:p>
+            <a:r>
+              <a:rPr lang="en-US" dirty="0" smtClean="0"/>
+              <a:t>Make sure you “</a:t>
             </a:r>
             <a:r>
               <a:rPr lang="en-US" dirty="0" err="1" smtClean="0"/>
-              <a:t>Javascript</a:t>
-            </a:r>
-            <a:r>
-              <a:rPr lang="en-US" dirty="0" smtClean="0"/>
-              <a:t>?</a:t>
+              <a:t>git</a:t>
+            </a:r>
+            <a:r>
+              <a:rPr lang="en-US" dirty="0" smtClean="0"/>
+              <a:t> </a:t>
+            </a:r>
+            <a:r>
+              <a:rPr lang="en-US" dirty="0" err="1" smtClean="0"/>
+              <a:t>config</a:t>
+            </a:r>
+            <a:r>
+              <a:rPr lang="en-US" dirty="0" smtClean="0"/>
+              <a:t>”</a:t>
             </a:r>
           </a:p>
           <a:p>
             <a:pPr lvl="1"/>
             <a:r>
-              <a:rPr lang="en-US" dirty="0" smtClean="0"/>
-              <a:t>Snap! is built using </a:t>
-            </a:r>
-            <a:r>
-              <a:rPr lang="en-US" dirty="0" err="1" smtClean="0"/>
-              <a:t>Javascript</a:t>
-            </a:r>
-            <a:endParaRPr lang="en-US" dirty="0" smtClean="0"/>
-          </a:p>
-          <a:p>
-            <a:r>
-              <a:rPr lang="en-US" dirty="0" smtClean="0"/>
-              <a:t>Exercise:</a:t>
-            </a:r>
-          </a:p>
-          <a:p>
-            <a:pPr lvl="1"/>
-            <a:r>
-              <a:rPr lang="en-US" dirty="0"/>
-              <a:t>http://www.w3schools.com/</a:t>
-            </a:r>
-            <a:r>
-              <a:rPr lang="en-US" dirty="0" err="1"/>
-              <a:t>js</a:t>
-            </a:r>
-            <a:r>
-              <a:rPr lang="en-US" dirty="0"/>
-              <a:t>/</a:t>
-            </a:r>
-            <a:r>
-              <a:rPr lang="en-US" dirty="0" err="1"/>
-              <a:t>tryit.asp?filename</a:t>
-            </a:r>
-            <a:r>
-              <a:rPr lang="en-US" dirty="0"/>
-              <a:t>=</a:t>
-            </a:r>
-            <a:r>
-              <a:rPr lang="en-US" dirty="0" err="1"/>
-              <a:t>tryjs_myfirst</a:t>
-            </a:r>
-            <a:endParaRPr lang="en-US" dirty="0"/>
+              <a:rPr lang="fr-FR" dirty="0"/>
+              <a:t>https://help.github.com/articles/set-up-git/#setting-up-git</a:t>
+            </a:r>
           </a:p>
         </p:txBody>
       </p:sp>
     </p:spTree>
     <p:extLst>
       <p:ext uri="{BB962C8B-B14F-4D97-AF65-F5344CB8AC3E}">
-        <p14:creationId xmlns:p14="http://schemas.microsoft.com/office/powerpoint/2010/main" val="254414816"/>
+        <p14:creationId xmlns:p14="http://schemas.microsoft.com/office/powerpoint/2010/main" val="1561085965"/>
       </p:ext>
     </p:extLst>
   </p:cSld>
   <p:clrMapOvr>
     <a:masterClrMapping/>
   </p:clrMapOvr>
-  <p:timing>
-    <p:tnLst>
-      <p:par>
-        <p:cTn xmlns:p14="http://schemas.microsoft.com/office/powerpoint/2010/main" id="1" dur="indefinite" restart="never" nodeType="tmRoot"/>
-      </p:par>
-    </p:tnLst>
-  </p:timing>
 </p:sld>
 </file>
 
